--- a/1. Language Basics/Language Basics.pptx
+++ b/1. Language Basics/Language Basics.pptx
@@ -6228,6 +6228,66 @@
               </a:rPr>
               <a:t>Excellence in Software Engineering</a:t>
             </a:r>
+          </a:p>
+        </p:txBody>
+      </p:sp>
+      <p:sp>
+        <p:nvSpPr>
+          <p:cNvPr id="5" name="TextBox 4"/>
+          <p:cNvSpPr txBox="1"/>
+          <p:nvPr/>
+        </p:nvSpPr>
+        <p:spPr>
+          <a:xfrm>
+            <a:off x="0" y="6396335"/>
+            <a:ext cx="3200400" cy="461665"/>
+          </a:xfrm>
+          <a:prstGeom prst="rect">
+            <a:avLst/>
+          </a:prstGeom>
+          <a:noFill/>
+        </p:spPr>
+        <p:txBody>
+          <a:bodyPr wrap="square" rtlCol="0">
+            <a:spAutoFit/>
+          </a:bodyPr>
+          <a:lstStyle/>
+          <a:p>
+            <a:r>
+              <a:rPr lang="en-US" sz="1200" dirty="0" smtClean="0">
+                <a:solidFill>
+                  <a:schemeClr val="tx2">
+                    <a:lumMod val="50000"/>
+                  </a:schemeClr>
+                </a:solidFill>
+                <a:latin typeface="Consolas" panose="020B0609020204030204" pitchFamily="49" charset="0"/>
+                <a:cs typeface="Consolas" panose="020B0609020204030204" pitchFamily="49" charset="0"/>
+              </a:rPr>
+              <a:t>Created by </a:t>
+            </a:r>
+          </a:p>
+          <a:p>
+            <a:r>
+              <a:rPr lang="en-US" sz="1200" dirty="0" smtClean="0">
+                <a:solidFill>
+                  <a:schemeClr val="tx2">
+                    <a:lumMod val="50000"/>
+                  </a:schemeClr>
+                </a:solidFill>
+                <a:latin typeface="Consolas" panose="020B0609020204030204" pitchFamily="49" charset="0"/>
+                <a:cs typeface="Consolas" panose="020B0609020204030204" pitchFamily="49" charset="0"/>
+              </a:rPr>
+              <a:t>artem_shylai@epam.com</a:t>
+            </a:r>
+            <a:endParaRPr lang="en-US" sz="1200" dirty="0">
+              <a:solidFill>
+                <a:schemeClr val="tx2">
+                  <a:lumMod val="50000"/>
+                </a:schemeClr>
+              </a:solidFill>
+              <a:latin typeface="Consolas" panose="020B0609020204030204" pitchFamily="49" charset="0"/>
+              <a:cs typeface="Consolas" panose="020B0609020204030204" pitchFamily="49" charset="0"/>
+            </a:endParaRPr>
           </a:p>
         </p:txBody>
       </p:sp>
